--- a/Verbeterde Powerpoint Fourier Analysis 2.pptx
+++ b/Verbeterde Powerpoint Fourier Analysis 2.pptx
@@ -4992,10 +4992,13 @@
                       </m:e>
                       <m:sub>
                         <m:r>
-                          <a:rPr lang="nl-NL" sz="1600" b="0" i="1">
+                          <m:rPr>
+                            <m:sty m:val="p"/>
+                          </m:rPr>
+                          <a:rPr lang="nl-NL" sz="1600" b="0" i="0">
                             <a:latin typeface="Cambria Math" panose="02040503050406030204" pitchFamily="18" charset="0"/>
                           </a:rPr>
-                          <m:t>𝑖𝑛𝑣</m:t>
+                          <m:t>inv</m:t>
                         </m:r>
                       </m:sub>
                     </m:sSub>
@@ -5313,6 +5316,18 @@
               </a:p>
               <a:p>
                 <a:r>
+                  <a:rPr lang="nl-NL" sz="2000" dirty="0"/>
+                  <a:t>Peaks </a:t>
+                </a:r>
+                <a:r>
+                  <a:rPr lang="nl-NL" sz="2000" dirty="0" err="1"/>
+                  <a:t>determine</a:t>
+                </a:r>
+                <a:r>
+                  <a:rPr lang="nl-NL" sz="2000" dirty="0"/>
+                  <a:t> </a:t>
+                </a:r>
+                <a:r>
                   <a:rPr lang="nl-NL" sz="2000" dirty="0" err="1"/>
                   <a:t>Periodicity</a:t>
                 </a:r>
@@ -5374,7 +5389,7 @@
               <a:lstStyle/>
               <a:p>
                 <a:r>
-                  <a:rPr lang="en-GB">
+                  <a:rPr lang="nl-NL">
                     <a:noFill/>
                   </a:rPr>
                   <a:t> </a:t>
@@ -6136,16 +6151,25 @@
           <a:lstStyle/>
           <a:p>
             <a:r>
-              <a:rPr lang="nl-NL" sz="4800"/>
+              <a:rPr lang="nl-NL" sz="4800" dirty="0"/>
               <a:t>Discrete </a:t>
             </a:r>
             <a:br>
-              <a:rPr lang="nl-NL" sz="4800"/>
+              <a:rPr lang="nl-NL" sz="4800" dirty="0"/>
             </a:br>
             <a:r>
-              <a:rPr lang="nl-NL" sz="4800"/>
-              <a:t>Fourier Transform</a:t>
+              <a:rPr lang="nl-NL" sz="4800" dirty="0" err="1"/>
+              <a:t>Fourier</a:t>
             </a:r>
+            <a:r>
+              <a:rPr lang="nl-NL" sz="4800" dirty="0"/>
+              <a:t> </a:t>
+            </a:r>
+            <a:r>
+              <a:rPr lang="nl-NL" sz="4800" dirty="0" err="1"/>
+              <a:t>Transform</a:t>
+            </a:r>
+            <a:endParaRPr lang="nl-NL" sz="4800" dirty="0"/>
           </a:p>
         </p:txBody>
       </p:sp>
@@ -6360,15 +6384,20 @@
           <p:nvPr/>
         </p:nvPicPr>
         <p:blipFill>
-          <a:blip r:embed="rId2"/>
-          <a:stretch>
-            <a:fillRect/>
-          </a:stretch>
+          <a:blip r:embed="rId2">
+            <a:extLst>
+              <a:ext uri="{28A0092B-C50C-407E-A947-70E740481C1C}">
+                <a14:useLocalDpi xmlns:a14="http://schemas.microsoft.com/office/drawing/2010/main" val="0"/>
+              </a:ext>
+            </a:extLst>
+          </a:blip>
+          <a:srcRect/>
+          <a:stretch/>
         </p:blipFill>
         <p:spPr>
           <a:xfrm>
-            <a:off x="695503" y="393681"/>
-            <a:ext cx="2777450" cy="1374838"/>
+            <a:off x="328609" y="473549"/>
+            <a:ext cx="3494670" cy="1731005"/>
           </a:xfrm>
           <a:prstGeom prst="rect">
             <a:avLst/>
@@ -6390,45 +6419,20 @@
           <p:nvPr/>
         </p:nvPicPr>
         <p:blipFill>
-          <a:blip r:embed="rId3"/>
-          <a:stretch>
-            <a:fillRect/>
-          </a:stretch>
+          <a:blip r:embed="rId3">
+            <a:extLst>
+              <a:ext uri="{28A0092B-C50C-407E-A947-70E740481C1C}">
+                <a14:useLocalDpi xmlns:a14="http://schemas.microsoft.com/office/drawing/2010/main" val="0"/>
+              </a:ext>
+            </a:extLst>
+          </a:blip>
+          <a:srcRect/>
+          <a:stretch/>
         </p:blipFill>
         <p:spPr>
           <a:xfrm>
-            <a:off x="695503" y="1943317"/>
-            <a:ext cx="2777450" cy="1374838"/>
-          </a:xfrm>
-          <a:prstGeom prst="rect">
-            <a:avLst/>
-          </a:prstGeom>
-        </p:spPr>
-      </p:pic>
-      <p:pic>
-        <p:nvPicPr>
-          <p:cNvPr id="7" name="Afbeelding 6">
-            <a:extLst>
-              <a:ext uri="{FF2B5EF4-FFF2-40B4-BE49-F238E27FC236}">
-                <a16:creationId xmlns:a16="http://schemas.microsoft.com/office/drawing/2014/main" id="{8BE35D83-2E9F-99FA-6F76-E98225584071}"/>
-              </a:ext>
-            </a:extLst>
-          </p:cNvPr>
-          <p:cNvPicPr>
-            <a:picLocks noChangeAspect="1"/>
-          </p:cNvPicPr>
-          <p:nvPr/>
-        </p:nvPicPr>
-        <p:blipFill>
-          <a:blip r:embed="rId4"/>
-          <a:stretch>
-            <a:fillRect/>
-          </a:stretch>
-        </p:blipFill>
-        <p:spPr>
-          <a:xfrm>
-            <a:off x="695503" y="5008156"/>
-            <a:ext cx="2777450" cy="1374838"/>
+            <a:off x="328608" y="2717223"/>
+            <a:ext cx="3510656" cy="1738923"/>
           </a:xfrm>
           <a:prstGeom prst="rect">
             <a:avLst/>
@@ -6450,15 +6454,20 @@
           <p:nvPr/>
         </p:nvPicPr>
         <p:blipFill>
-          <a:blip r:embed="rId5"/>
-          <a:stretch>
-            <a:fillRect/>
-          </a:stretch>
+          <a:blip r:embed="rId4">
+            <a:extLst>
+              <a:ext uri="{28A0092B-C50C-407E-A947-70E740481C1C}">
+                <a14:useLocalDpi xmlns:a14="http://schemas.microsoft.com/office/drawing/2010/main" val="0"/>
+              </a:ext>
+            </a:extLst>
+          </a:blip>
+          <a:srcRect/>
+          <a:stretch/>
         </p:blipFill>
         <p:spPr>
           <a:xfrm>
-            <a:off x="701341" y="3484861"/>
-            <a:ext cx="2777450" cy="1374838"/>
+            <a:off x="328608" y="4795405"/>
+            <a:ext cx="3491405" cy="1729388"/>
           </a:xfrm>
           <a:prstGeom prst="rect">
             <a:avLst/>
@@ -6501,10 +6510,10 @@
                   </a:lnSpc>
                 </a:pPr>
                 <a:r>
-                  <a:rPr lang="en-GB" sz="1400" dirty="0"/>
+                  <a:rPr lang="en-GB" sz="1600" dirty="0"/>
                   <a:t>Discrete data</a:t>
                 </a:r>
-                <a:endParaRPr lang="nl-NL" sz="1400" dirty="0"/>
+                <a:endParaRPr lang="nl-NL" sz="1600" dirty="0"/>
               </a:p>
               <a:p>
                 <a:pPr>
@@ -6517,14 +6526,14 @@
                     <m:sSub>
                       <m:sSubPr>
                         <m:ctrlPr>
-                          <a:rPr lang="pt-BR" sz="1400" i="1">
+                          <a:rPr lang="pt-BR" sz="1600" i="1">
                             <a:latin typeface="Cambria Math" panose="02040503050406030204" pitchFamily="18" charset="0"/>
                           </a:rPr>
                         </m:ctrlPr>
                       </m:sSubPr>
                       <m:e>
                         <m:r>
-                          <a:rPr lang="nl-NL" sz="1400" b="0" i="1">
+                          <a:rPr lang="nl-NL" sz="1600" b="0" i="1">
                             <a:latin typeface="Cambria Math" panose="02040503050406030204" pitchFamily="18" charset="0"/>
                           </a:rPr>
                           <m:t>𝑋</m:t>
@@ -6532,7 +6541,7 @@
                       </m:e>
                       <m:sub>
                         <m:r>
-                          <a:rPr lang="nl-NL" sz="1400" b="0" i="1">
+                          <a:rPr lang="nl-NL" sz="1600" b="0" i="1">
                             <a:latin typeface="Cambria Math" panose="02040503050406030204" pitchFamily="18" charset="0"/>
                           </a:rPr>
                           <m:t>𝑘</m:t>
@@ -6540,7 +6549,7 @@
                       </m:sub>
                     </m:sSub>
                     <m:r>
-                      <a:rPr lang="pt-BR" sz="1400" i="1" smtClean="0">
+                      <a:rPr lang="pt-BR" sz="1600" i="1" smtClean="0">
                         <a:latin typeface="Cambria Math" panose="02040503050406030204" pitchFamily="18" charset="0"/>
                       </a:rPr>
                       <m:t>=</m:t>
@@ -6549,20 +6558,20 @@
                       <m:naryPr>
                         <m:chr m:val="∑"/>
                         <m:ctrlPr>
-                          <a:rPr lang="pt-BR" sz="1400" i="1">
+                          <a:rPr lang="pt-BR" sz="1600" i="1">
                             <a:latin typeface="Cambria Math" panose="02040503050406030204" pitchFamily="18" charset="0"/>
                           </a:rPr>
                         </m:ctrlPr>
                       </m:naryPr>
                       <m:sub>
                         <m:r>
-                          <a:rPr lang="pt-BR" sz="1400" i="1">
+                          <a:rPr lang="pt-BR" sz="1600" i="1">
                             <a:latin typeface="Cambria Math" panose="02040503050406030204" pitchFamily="18" charset="0"/>
                           </a:rPr>
                           <m:t>𝑛</m:t>
                         </m:r>
                         <m:r>
-                          <a:rPr lang="pt-BR" sz="1400" i="1">
+                          <a:rPr lang="pt-BR" sz="1600" i="1">
                             <a:latin typeface="Cambria Math" panose="02040503050406030204" pitchFamily="18" charset="0"/>
                           </a:rPr>
                           <m:t>=0</m:t>
@@ -6570,13 +6579,13 @@
                       </m:sub>
                       <m:sup>
                         <m:r>
-                          <a:rPr lang="nl-NL" sz="1400" b="0" i="1">
+                          <a:rPr lang="nl-NL" sz="1600" b="0" i="1">
                             <a:latin typeface="Cambria Math" panose="02040503050406030204" pitchFamily="18" charset="0"/>
                           </a:rPr>
                           <m:t>𝑁</m:t>
                         </m:r>
                         <m:r>
-                          <a:rPr lang="nl-NL" sz="1400" b="0" i="1">
+                          <a:rPr lang="nl-NL" sz="1600" b="0" i="1">
                             <a:latin typeface="Cambria Math" panose="02040503050406030204" pitchFamily="18" charset="0"/>
                           </a:rPr>
                           <m:t>−1</m:t>
@@ -6586,14 +6595,14 @@
                         <m:sSub>
                           <m:sSubPr>
                             <m:ctrlPr>
-                              <a:rPr lang="pt-BR" sz="1400" i="1">
+                              <a:rPr lang="pt-BR" sz="1600" i="1">
                                 <a:latin typeface="Cambria Math" panose="02040503050406030204" pitchFamily="18" charset="0"/>
                               </a:rPr>
                             </m:ctrlPr>
                           </m:sSubPr>
                           <m:e>
                             <m:r>
-                              <a:rPr lang="nl-NL" sz="1400" b="0" i="1">
+                              <a:rPr lang="nl-NL" sz="1600" b="0" i="1">
                                 <a:latin typeface="Cambria Math" panose="02040503050406030204" pitchFamily="18" charset="0"/>
                               </a:rPr>
                               <m:t>𝑥</m:t>
@@ -6601,7 +6610,7 @@
                           </m:e>
                           <m:sub>
                             <m:r>
-                              <a:rPr lang="nl-NL" sz="1400" b="0" i="1">
+                              <a:rPr lang="nl-NL" sz="1600" b="0" i="1">
                                 <a:latin typeface="Cambria Math" panose="02040503050406030204" pitchFamily="18" charset="0"/>
                               </a:rPr>
                               <m:t>𝑛</m:t>
@@ -6609,7 +6618,7 @@
                           </m:sub>
                         </m:sSub>
                         <m:r>
-                          <a:rPr lang="pt-BR" sz="1400" i="1">
+                          <a:rPr lang="pt-BR" sz="1600" i="1">
                             <a:latin typeface="Cambria Math" panose="02040503050406030204" pitchFamily="18" charset="0"/>
                             <a:ea typeface="Cambria Math" panose="02040503050406030204" pitchFamily="18" charset="0"/>
                           </a:rPr>
@@ -6618,7 +6627,7 @@
                         <m:sSup>
                           <m:sSupPr>
                             <m:ctrlPr>
-                              <a:rPr lang="pt-BR" sz="1400" i="1">
+                              <a:rPr lang="pt-BR" sz="1600" i="1">
                                 <a:latin typeface="Cambria Math" panose="02040503050406030204" pitchFamily="18" charset="0"/>
                                 <a:ea typeface="Cambria Math" panose="02040503050406030204" pitchFamily="18" charset="0"/>
                               </a:rPr>
@@ -6626,7 +6635,7 @@
                           </m:sSupPr>
                           <m:e>
                             <m:r>
-                              <a:rPr lang="nl-NL" sz="1400" b="0" i="1">
+                              <a:rPr lang="nl-NL" sz="1600" b="0" i="1">
                                 <a:latin typeface="Cambria Math" panose="02040503050406030204" pitchFamily="18" charset="0"/>
                                 <a:ea typeface="Cambria Math" panose="02040503050406030204" pitchFamily="18" charset="0"/>
                               </a:rPr>
@@ -6637,7 +6646,7 @@
                             <m:box>
                               <m:boxPr>
                                 <m:ctrlPr>
-                                  <a:rPr lang="pt-BR" sz="1400" i="1">
+                                  <a:rPr lang="pt-BR" sz="1600" i="1">
                                     <a:latin typeface="Cambria Math" panose="02040503050406030204" pitchFamily="18" charset="0"/>
                                     <a:ea typeface="Cambria Math" panose="02040503050406030204" pitchFamily="18" charset="0"/>
                                   </a:rPr>
@@ -6651,14 +6660,14 @@
                                   <m:rPr>
                                     <m:brk m:alnAt="63"/>
                                   </m:rPr>
-                                  <a:rPr lang="nl-NL" sz="1400" b="0" i="1">
+                                  <a:rPr lang="nl-NL" sz="1600" b="0" i="1">
                                     <a:latin typeface="Cambria Math" panose="02040503050406030204" pitchFamily="18" charset="0"/>
                                     <a:ea typeface="Cambria Math" panose="02040503050406030204" pitchFamily="18" charset="0"/>
                                   </a:rPr>
                                   <m:t>−</m:t>
                                 </m:r>
                                 <m:r>
-                                  <a:rPr lang="nl-NL" sz="1400" b="0" i="1">
+                                  <a:rPr lang="nl-NL" sz="1600" b="0" i="1">
                                     <a:latin typeface="Cambria Math" panose="02040503050406030204" pitchFamily="18" charset="0"/>
                                     <a:ea typeface="Cambria Math" panose="02040503050406030204" pitchFamily="18" charset="0"/>
                                   </a:rPr>
@@ -6667,7 +6676,7 @@
                                 <m:f>
                                   <m:fPr>
                                     <m:ctrlPr>
-                                      <a:rPr lang="pt-BR" sz="1400" i="1">
+                                      <a:rPr lang="pt-BR" sz="1600" i="1">
                                         <a:latin typeface="Cambria Math" panose="02040503050406030204" pitchFamily="18" charset="0"/>
                                         <a:ea typeface="Cambria Math" panose="02040503050406030204" pitchFamily="18" charset="0"/>
                                       </a:rPr>
@@ -6675,14 +6684,14 @@
                                   </m:fPr>
                                   <m:num>
                                     <m:r>
-                                      <a:rPr lang="nl-NL" sz="1400" b="0" i="1">
+                                      <a:rPr lang="nl-NL" sz="1600" b="0" i="1">
                                         <a:latin typeface="Cambria Math" panose="02040503050406030204" pitchFamily="18" charset="0"/>
                                         <a:ea typeface="Cambria Math" panose="02040503050406030204" pitchFamily="18" charset="0"/>
                                       </a:rPr>
                                       <m:t>2</m:t>
                                     </m:r>
                                     <m:r>
-                                      <a:rPr lang="nl-NL" sz="1400" b="0" i="1">
+                                      <a:rPr lang="nl-NL" sz="1600" b="0" i="1">
                                         <a:latin typeface="Cambria Math" panose="02040503050406030204" pitchFamily="18" charset="0"/>
                                         <a:ea typeface="Cambria Math" panose="02040503050406030204" pitchFamily="18" charset="0"/>
                                       </a:rPr>
@@ -6691,7 +6700,7 @@
                                   </m:num>
                                   <m:den>
                                     <m:r>
-                                      <a:rPr lang="nl-NL" sz="1400" b="0" i="1">
+                                      <a:rPr lang="nl-NL" sz="1600" b="0" i="1">
                                         <a:latin typeface="Cambria Math" panose="02040503050406030204" pitchFamily="18" charset="0"/>
                                         <a:ea typeface="Cambria Math" panose="02040503050406030204" pitchFamily="18" charset="0"/>
                                       </a:rPr>
@@ -6700,7 +6709,7 @@
                                   </m:den>
                                 </m:f>
                                 <m:r>
-                                  <a:rPr lang="nl-NL" sz="1400" b="0" i="1">
+                                  <a:rPr lang="nl-NL" sz="1600" b="0" i="1">
                                     <a:latin typeface="Cambria Math" panose="02040503050406030204" pitchFamily="18" charset="0"/>
                                     <a:ea typeface="Cambria Math" panose="02040503050406030204" pitchFamily="18" charset="0"/>
                                   </a:rPr>
@@ -6714,7 +6723,7 @@
                     </m:nary>
                   </m:oMath>
                 </a14:m>
-                <a:endParaRPr lang="nl-NL" sz="1400" dirty="0"/>
+                <a:endParaRPr lang="nl-NL" sz="1600" dirty="0"/>
               </a:p>
               <a:p>
                 <a:pPr>
@@ -6723,27 +6732,27 @@
                   </a:lnSpc>
                 </a:pPr>
                 <a:r>
-                  <a:rPr lang="nl-NL" sz="1400" dirty="0" err="1"/>
+                  <a:rPr lang="nl-NL" sz="1600" dirty="0" err="1"/>
                   <a:t>All</a:t>
                 </a:r>
                 <a:r>
-                  <a:rPr lang="nl-NL" sz="1400" dirty="0"/>
+                  <a:rPr lang="nl-NL" sz="1600" dirty="0"/>
                   <a:t> </a:t>
                 </a:r>
                 <a:r>
-                  <a:rPr lang="nl-NL" sz="1400" dirty="0" err="1"/>
+                  <a:rPr lang="nl-NL" sz="1600" dirty="0" err="1"/>
                   <a:t>possible</a:t>
                 </a:r>
                 <a:r>
-                  <a:rPr lang="nl-NL" sz="1400" dirty="0"/>
+                  <a:rPr lang="nl-NL" sz="1600" dirty="0"/>
                   <a:t> </a:t>
                 </a:r>
                 <a:r>
-                  <a:rPr lang="nl-NL" sz="1400" dirty="0" err="1"/>
+                  <a:rPr lang="nl-NL" sz="1600" dirty="0" err="1"/>
                   <a:t>frequencies</a:t>
                 </a:r>
                 <a:r>
-                  <a:rPr lang="nl-NL" sz="1400" dirty="0"/>
+                  <a:rPr lang="nl-NL" sz="1600" dirty="0"/>
                   <a:t>: </a:t>
                 </a:r>
                 <a14:m>
@@ -6751,14 +6760,14 @@
                     <m:sSub>
                       <m:sSubPr>
                         <m:ctrlPr>
-                          <a:rPr lang="nl-NL" sz="1400" i="1">
+                          <a:rPr lang="nl-NL" sz="1600" i="1">
                             <a:latin typeface="Cambria Math" panose="02040503050406030204" pitchFamily="18" charset="0"/>
                           </a:rPr>
                         </m:ctrlPr>
                       </m:sSubPr>
                       <m:e>
                         <m:r>
-                          <a:rPr lang="nl-NL" sz="1400" i="1">
+                          <a:rPr lang="nl-NL" sz="1600" i="1">
                             <a:latin typeface="Cambria Math" panose="02040503050406030204" pitchFamily="18" charset="0"/>
                           </a:rPr>
                           <m:t>𝑓</m:t>
@@ -6766,7 +6775,7 @@
                       </m:e>
                       <m:sub>
                         <m:r>
-                          <a:rPr lang="nl-NL" sz="1400" i="1">
+                          <a:rPr lang="nl-NL" sz="1600" i="1">
                             <a:latin typeface="Cambria Math" panose="02040503050406030204" pitchFamily="18" charset="0"/>
                           </a:rPr>
                           <m:t>𝑛</m:t>
@@ -6774,13 +6783,13 @@
                       </m:sub>
                     </m:sSub>
                     <m:r>
-                      <a:rPr lang="nl-NL" sz="1400" i="1">
+                      <a:rPr lang="nl-NL" sz="1600" i="1">
                         <a:latin typeface="Cambria Math" panose="02040503050406030204" pitchFamily="18" charset="0"/>
                       </a:rPr>
                       <m:t>=</m:t>
                     </m:r>
                     <m:r>
-                      <a:rPr lang="nl-NL" sz="1400" i="1">
+                      <a:rPr lang="nl-NL" sz="1600" i="1">
                         <a:latin typeface="Cambria Math" panose="02040503050406030204" pitchFamily="18" charset="0"/>
                       </a:rPr>
                       <m:t>𝑛</m:t>
@@ -6788,14 +6797,14 @@
                     <m:f>
                       <m:fPr>
                         <m:ctrlPr>
-                          <a:rPr lang="nl-NL" sz="1400" i="1">
+                          <a:rPr lang="nl-NL" sz="1600" i="1">
                             <a:latin typeface="Cambria Math" panose="02040503050406030204" pitchFamily="18" charset="0"/>
                           </a:rPr>
                         </m:ctrlPr>
                       </m:fPr>
                       <m:num>
                         <m:r>
-                          <a:rPr lang="nl-NL" sz="1400" i="1">
+                          <a:rPr lang="nl-NL" sz="1600" i="1">
                             <a:latin typeface="Cambria Math" panose="02040503050406030204" pitchFamily="18" charset="0"/>
                           </a:rPr>
                           <m:t>1</m:t>
@@ -6803,13 +6812,13 @@
                       </m:num>
                       <m:den>
                         <m:r>
-                          <a:rPr lang="nl-NL" sz="1400" i="1">
+                          <a:rPr lang="nl-NL" sz="1600" i="1">
                             <a:latin typeface="Cambria Math" panose="02040503050406030204" pitchFamily="18" charset="0"/>
                           </a:rPr>
                           <m:t>2</m:t>
                         </m:r>
                         <m:r>
-                          <a:rPr lang="nl-NL" sz="1400" i="1">
+                          <a:rPr lang="nl-NL" sz="1600" i="1">
                             <a:latin typeface="Cambria Math" panose="02040503050406030204" pitchFamily="18" charset="0"/>
                           </a:rPr>
                           <m:t>𝑇</m:t>
@@ -6817,33 +6826,61 @@
                       </m:den>
                     </m:f>
                     <m:r>
-                      <a:rPr lang="nl-NL" sz="1400" b="0" i="1">
+                      <a:rPr lang="nl-NL" sz="1600" b="0" i="1">
                         <a:latin typeface="Cambria Math" panose="02040503050406030204" pitchFamily="18" charset="0"/>
                       </a:rPr>
                       <m:t> ,   </m:t>
                     </m:r>
                     <m:r>
-                      <a:rPr lang="nl-NL" sz="1400" b="0" i="1">
+                      <a:rPr lang="nl-NL" sz="1600" b="0" i="1">
                         <a:latin typeface="Cambria Math" panose="02040503050406030204" pitchFamily="18" charset="0"/>
                       </a:rPr>
                       <m:t>𝑛</m:t>
                     </m:r>
                     <m:r>
-                      <a:rPr lang="nl-NL" sz="1400" b="0" i="1">
+                      <a:rPr lang="nl-NL" sz="1600" b="0" i="1">
                         <a:latin typeface="Cambria Math" panose="02040503050406030204" pitchFamily="18" charset="0"/>
                         <a:ea typeface="Cambria Math" panose="02040503050406030204" pitchFamily="18" charset="0"/>
                       </a:rPr>
-                      <m:t>∈[1,</m:t>
+                      <m:t>∈[</m:t>
                     </m:r>
                     <m:r>
-                      <a:rPr lang="nl-NL" sz="1400" b="0" i="1">
+                      <a:rPr lang="en-GB" sz="1600" b="0" i="1" smtClean="0">
+                        <a:latin typeface="Cambria Math" panose="02040503050406030204" pitchFamily="18" charset="0"/>
+                        <a:ea typeface="Cambria Math" panose="02040503050406030204" pitchFamily="18" charset="0"/>
+                      </a:rPr>
+                      <m:t>0</m:t>
+                    </m:r>
+                    <m:r>
+                      <a:rPr lang="nl-NL" sz="1600" b="0" i="1">
+                        <a:latin typeface="Cambria Math" panose="02040503050406030204" pitchFamily="18" charset="0"/>
+                        <a:ea typeface="Cambria Math" panose="02040503050406030204" pitchFamily="18" charset="0"/>
+                      </a:rPr>
+                      <m:t>,</m:t>
+                    </m:r>
+                    <m:r>
+                      <a:rPr lang="en-GB" sz="1600" b="0" i="1" smtClean="0">
+                        <a:latin typeface="Cambria Math" panose="02040503050406030204" pitchFamily="18" charset="0"/>
+                        <a:ea typeface="Cambria Math" panose="02040503050406030204" pitchFamily="18" charset="0"/>
+                      </a:rPr>
+                      <m:t> </m:t>
+                    </m:r>
+                    <m:r>
+                      <a:rPr lang="nl-NL" sz="1600" b="0" i="1">
                         <a:latin typeface="Cambria Math" panose="02040503050406030204" pitchFamily="18" charset="0"/>
                         <a:ea typeface="Cambria Math" panose="02040503050406030204" pitchFamily="18" charset="0"/>
                       </a:rPr>
                       <m:t>𝑁</m:t>
                     </m:r>
                     <m:r>
-                      <a:rPr lang="nl-NL" sz="1400" b="0" i="1">
+                      <a:rPr lang="en-GB" sz="1600" b="0" i="1" smtClean="0">
+                        <a:latin typeface="Cambria Math" panose="02040503050406030204" pitchFamily="18" charset="0"/>
+                        <a:ea typeface="Cambria Math" panose="02040503050406030204" pitchFamily="18" charset="0"/>
+                      </a:rPr>
+                      <m:t>−1</m:t>
+                    </m:r>
+                    <m:r>
+                      <a:rPr lang="nl-NL" sz="1600" b="0" i="1">
                         <a:latin typeface="Cambria Math" panose="02040503050406030204" pitchFamily="18" charset="0"/>
                         <a:ea typeface="Cambria Math" panose="02040503050406030204" pitchFamily="18" charset="0"/>
                       </a:rPr>
@@ -6851,7 +6888,7 @@
                     </m:r>
                   </m:oMath>
                 </a14:m>
-                <a:endParaRPr lang="nl-NL" sz="1400" dirty="0"/>
+                <a:endParaRPr lang="nl-NL" sz="1600" dirty="0"/>
               </a:p>
               <a:p>
                 <a:pPr>
@@ -6860,18 +6897,21 @@
                   </a:lnSpc>
                 </a:pPr>
                 <a:r>
-                  <a:rPr lang="nl-NL" sz="1400" dirty="0" err="1"/>
-                  <a:t>Nyguist</a:t>
+                  <a:rPr lang="nl-NL" sz="1600" dirty="0" err="1"/>
+                  <a:t>Nyquist</a:t>
                 </a:r>
                 <a:r>
-                  <a:rPr lang="nl-NL" sz="1400" dirty="0"/>
+                  <a:rPr lang="nl-NL" sz="1600" dirty="0"/>
                   <a:t> </a:t>
                 </a:r>
                 <a:r>
-                  <a:rPr lang="nl-NL" sz="1400" dirty="0" err="1"/>
+                  <a:rPr lang="nl-NL" sz="1600" dirty="0" err="1"/>
                   <a:t>Frequency</a:t>
                 </a:r>
-                <a:endParaRPr lang="nl-NL" sz="1400" dirty="0"/>
+                <a:r>
+                  <a:rPr lang="nl-NL" sz="1600" dirty="0"/>
+                  <a:t>:</a:t>
+                </a:r>
               </a:p>
               <a:p>
                 <a:pPr lvl="1">
@@ -6880,113 +6920,25 @@
                   </a:lnSpc>
                 </a:pPr>
                 <a:r>
-                  <a:rPr lang="en-US" sz="1400" dirty="0"/>
-                  <a:t>‘the Nyquist frequency is the frequency whose cycle-length is twice the interval between samples’ </a:t>
-                </a:r>
-                <a:endParaRPr lang="nl-NL" sz="1400" dirty="0"/>
-              </a:p>
-              <a:p>
-                <a:pPr marL="457200" lvl="1" indent="0">
-                  <a:lnSpc>
-                    <a:spcPct val="150000"/>
-                  </a:lnSpc>
-                  <a:buNone/>
-                </a:pPr>
-                <a:r>
-                  <a:rPr lang="nl-NL" sz="1400" dirty="0"/>
-                  <a:t>     </a:t>
+                  <a:rPr lang="en-US" sz="1600" dirty="0"/>
+                  <a:t>‘the Nyquist frequency is the frequency whose cycle-length is twice the interval between samples’, </a:t>
                 </a:r>
                 <a:r>
-                  <a:rPr lang="nl-NL" sz="1400" dirty="0" err="1"/>
+                  <a:rPr lang="nl-NL" sz="1600" dirty="0" err="1"/>
                   <a:t>i.e</a:t>
                 </a:r>
                 <a:r>
-                  <a:rPr lang="nl-NL" sz="1400" dirty="0"/>
+                  <a:rPr lang="nl-NL" sz="1600" dirty="0"/>
                   <a:t>: at </a:t>
                 </a:r>
                 <a:r>
-                  <a:rPr lang="nl-NL" sz="1400" dirty="0" err="1"/>
+                  <a:rPr lang="nl-NL" sz="1600" dirty="0" err="1"/>
                   <a:t>least</a:t>
                 </a:r>
                 <a:r>
-                  <a:rPr lang="nl-NL" sz="1400" dirty="0"/>
-                  <a:t> 2 samples, </a:t>
+                  <a:rPr lang="nl-NL" sz="1600" dirty="0"/>
+                  <a:t> 2 samples</a:t>
                 </a:r>
-                <a:r>
-                  <a:rPr lang="nl-NL" sz="1400" dirty="0" err="1"/>
-                  <a:t>thus</a:t>
-                </a:r>
-                <a:r>
-                  <a:rPr lang="nl-NL" sz="1400" dirty="0"/>
-                  <a:t>: </a:t>
-                </a:r>
-                <a14:m>
-                  <m:oMath xmlns:m="http://schemas.openxmlformats.org/officeDocument/2006/math">
-                    <m:sSub>
-                      <m:sSubPr>
-                        <m:ctrlPr>
-                          <a:rPr lang="nl-NL" sz="1400" i="1">
-                            <a:latin typeface="Cambria Math" panose="02040503050406030204" pitchFamily="18" charset="0"/>
-                          </a:rPr>
-                        </m:ctrlPr>
-                      </m:sSubPr>
-                      <m:e>
-                        <m:r>
-                          <a:rPr lang="nl-NL" sz="1400" b="0" i="1">
-                            <a:latin typeface="Cambria Math" panose="02040503050406030204" pitchFamily="18" charset="0"/>
-                          </a:rPr>
-                          <m:t>𝑓</m:t>
-                        </m:r>
-                      </m:e>
-                      <m:sub>
-                        <m:r>
-                          <a:rPr lang="nl-NL" sz="1400" b="0" i="1">
-                            <a:latin typeface="Cambria Math" panose="02040503050406030204" pitchFamily="18" charset="0"/>
-                          </a:rPr>
-                          <m:t>𝑚𝑎𝑥</m:t>
-                        </m:r>
-                      </m:sub>
-                    </m:sSub>
-                    <m:r>
-                      <a:rPr lang="nl-NL" sz="1400" b="0" i="1">
-                        <a:latin typeface="Cambria Math" panose="02040503050406030204" pitchFamily="18" charset="0"/>
-                      </a:rPr>
-                      <m:t>=</m:t>
-                    </m:r>
-                    <m:f>
-                      <m:fPr>
-                        <m:ctrlPr>
-                          <a:rPr lang="nl-NL" sz="1400" b="0" i="1">
-                            <a:latin typeface="Cambria Math" panose="02040503050406030204" pitchFamily="18" charset="0"/>
-                          </a:rPr>
-                        </m:ctrlPr>
-                      </m:fPr>
-                      <m:num>
-                        <m:r>
-                          <a:rPr lang="nl-NL" sz="1400" b="0" i="1">
-                            <a:latin typeface="Cambria Math" panose="02040503050406030204" pitchFamily="18" charset="0"/>
-                          </a:rPr>
-                          <m:t>𝑁</m:t>
-                        </m:r>
-                      </m:num>
-                      <m:den>
-                        <m:r>
-                          <a:rPr lang="nl-NL" sz="1400" b="0" i="1">
-                            <a:latin typeface="Cambria Math" panose="02040503050406030204" pitchFamily="18" charset="0"/>
-                          </a:rPr>
-                          <m:t>2</m:t>
-                        </m:r>
-                        <m:r>
-                          <a:rPr lang="nl-NL" sz="1400" b="0" i="1">
-                            <a:latin typeface="Cambria Math" panose="02040503050406030204" pitchFamily="18" charset="0"/>
-                          </a:rPr>
-                          <m:t>𝑇</m:t>
-                        </m:r>
-                      </m:den>
-                    </m:f>
-                  </m:oMath>
-                </a14:m>
-                <a:endParaRPr lang="nl-NL" sz="1400" dirty="0"/>
               </a:p>
               <a:p>
                 <a:pPr>
@@ -6995,36 +6947,36 @@
                   </a:lnSpc>
                 </a:pPr>
                 <a:r>
-                  <a:rPr lang="nl-NL" sz="1400" dirty="0" err="1"/>
+                  <a:rPr lang="nl-NL" sz="1600" dirty="0" err="1"/>
                   <a:t>Computation</a:t>
                 </a:r>
                 <a:r>
-                  <a:rPr lang="nl-NL" sz="1400" dirty="0"/>
+                  <a:rPr lang="nl-NL" sz="1600" dirty="0"/>
                   <a:t> </a:t>
                 </a:r>
                 <a14:m>
                   <m:oMath xmlns:m="http://schemas.openxmlformats.org/officeDocument/2006/math">
                     <m:r>
-                      <a:rPr lang="nl-NL" sz="1400" b="0" i="1">
+                      <a:rPr lang="nl-NL" sz="1600" b="0" i="1">
                         <a:latin typeface="Cambria Math" panose="02040503050406030204" pitchFamily="18" charset="0"/>
                       </a:rPr>
                       <m:t>∝</m:t>
                     </m:r>
                     <m:r>
-                      <a:rPr lang="nl-NL" sz="1400" b="0" i="1">
+                      <a:rPr lang="nl-NL" sz="1600" b="0" i="1">
                         <a:latin typeface="Cambria Math" panose="02040503050406030204" pitchFamily="18" charset="0"/>
                       </a:rPr>
                       <m:t>𝑁</m:t>
                     </m:r>
                     <m:r>
-                      <a:rPr lang="nl-NL" sz="1400" b="0" i="1">
+                      <a:rPr lang="nl-NL" sz="1600" b="0" i="1">
                         <a:latin typeface="Cambria Math" panose="02040503050406030204" pitchFamily="18" charset="0"/>
                       </a:rPr>
                       <m:t>^2</m:t>
                     </m:r>
                   </m:oMath>
                 </a14:m>
-                <a:endParaRPr lang="nl-NL" sz="1400" dirty="0"/>
+                <a:endParaRPr lang="nl-NL" sz="1600" dirty="0"/>
               </a:p>
               <a:p>
                 <a:endParaRPr lang="nl-NL" sz="900" dirty="0"/>
@@ -7055,9 +7007,9 @@
                 <a:ext cx="7115139" cy="3683662"/>
               </a:xfrm>
               <a:blipFill>
-                <a:blip r:embed="rId6"/>
+                <a:blip r:embed="rId5"/>
                 <a:stretch>
-                  <a:fillRect l="-86" b="-662"/>
+                  <a:fillRect l="-342"/>
                 </a:stretch>
               </a:blipFill>
             </p:spPr>
@@ -7066,7 +7018,7 @@
               <a:lstStyle/>
               <a:p>
                 <a:r>
-                  <a:rPr lang="en-GB">
+                  <a:rPr lang="nl-NL">
                     <a:noFill/>
                   </a:rPr>
                   <a:t> </a:t>
@@ -7382,64 +7334,15 @@
                                   </p:childTnLst>
                                 </p:cTn>
                               </p:par>
-                            </p:childTnLst>
-                          </p:cTn>
-                        </p:par>
-                      </p:childTnLst>
-                    </p:cTn>
-                  </p:par>
-                  <p:par>
-                    <p:cTn id="27" fill="hold">
-                      <p:stCondLst>
-                        <p:cond delay="indefinite"/>
-                      </p:stCondLst>
-                      <p:childTnLst>
-                        <p:par>
-                          <p:cTn id="28" fill="hold">
-                            <p:stCondLst>
-                              <p:cond delay="0"/>
-                            </p:stCondLst>
-                            <p:childTnLst>
                               <p:par>
-                                <p:cTn id="29" presetID="1" presetClass="entr" presetSubtype="0" fill="hold" nodeType="clickEffect">
+                                <p:cTn id="27" presetID="1" presetClass="entr" presetSubtype="0" fill="hold" nodeType="withEffect">
                                   <p:stCondLst>
                                     <p:cond delay="0"/>
                                   </p:stCondLst>
                                   <p:childTnLst>
                                     <p:set>
                                       <p:cBhvr>
-                                        <p:cTn id="30" dur="1" fill="hold">
-                                          <p:stCondLst>
-                                            <p:cond delay="0"/>
-                                          </p:stCondLst>
-                                        </p:cTn>
-                                        <p:tgtEl>
-                                          <p:spTgt spid="3">
-                                            <p:txEl>
-                                              <p:pRg st="6" end="6"/>
-                                            </p:txEl>
-                                          </p:spTgt>
-                                        </p:tgtEl>
-                                        <p:attrNameLst>
-                                          <p:attrName>style.visibility</p:attrName>
-                                        </p:attrNameLst>
-                                      </p:cBhvr>
-                                      <p:to>
-                                        <p:strVal val="visible"/>
-                                      </p:to>
-                                    </p:set>
-                                  </p:childTnLst>
-                                </p:cTn>
-                              </p:par>
-                              <p:par>
-                                <p:cTn id="31" presetID="1" presetClass="entr" presetSubtype="0" fill="hold" nodeType="withEffect">
-                                  <p:stCondLst>
-                                    <p:cond delay="0"/>
-                                  </p:stCondLst>
-                                  <p:childTnLst>
-                                    <p:set>
-                                      <p:cBhvr>
-                                        <p:cTn id="32" dur="1" fill="hold">
+                                        <p:cTn id="28" dur="1" fill="hold">
                                           <p:stCondLst>
                                             <p:cond delay="0"/>
                                           </p:stCondLst>
@@ -7516,10 +7419,10 @@
       </p:grpSpPr>
       <p:sp useBgFill="1">
         <p:nvSpPr>
-          <p:cNvPr id="44" name="Rectangle 43">
-            <a:extLst>
-              <a:ext uri="{FF2B5EF4-FFF2-40B4-BE49-F238E27FC236}">
-                <a16:creationId xmlns:a16="http://schemas.microsoft.com/office/drawing/2014/main" id="{6112B4A7-3559-4D03-BE94-7DA52DBD6D40}"/>
+          <p:cNvPr id="57" name="Rectangle 56">
+            <a:extLst>
+              <a:ext uri="{FF2B5EF4-FFF2-40B4-BE49-F238E27FC236}">
+                <a16:creationId xmlns:a16="http://schemas.microsoft.com/office/drawing/2014/main" id="{3203E4BD-30E1-42F5-9949-FF7CA56A91DF}"/>
               </a:ext>
               <a:ext uri="{C183D7F6-B498-43B3-948B-1728B52AA6E4}">
                 <adec:decorative xmlns:adec="http://schemas.microsoft.com/office/drawing/2017/decorative" val="1"/>
@@ -7576,7 +7479,7 @@
       </p:sp>
       <p:sp>
         <p:nvSpPr>
-          <p:cNvPr id="46" name="Rectangle 45">
+          <p:cNvPr id="59" name="Rectangle 58">
             <a:extLst>
               <a:ext uri="{FF2B5EF4-FFF2-40B4-BE49-F238E27FC236}">
                 <a16:creationId xmlns:a16="http://schemas.microsoft.com/office/drawing/2014/main" id="{90464369-70FA-42AF-948F-80664CA7BFE5}"/>
@@ -7681,7 +7584,7 @@
       </p:sp>
       <p:sp>
         <p:nvSpPr>
-          <p:cNvPr id="48" name="Rectangle 47">
+          <p:cNvPr id="61" name="Rectangle 60">
             <a:extLst>
               <a:ext uri="{FF2B5EF4-FFF2-40B4-BE49-F238E27FC236}">
                 <a16:creationId xmlns:a16="http://schemas.microsoft.com/office/drawing/2014/main" id="{A648176E-454C-437C-B0FC-9B82FCF32B24}"/>
@@ -7704,7 +7607,7 @@
         </p:nvSpPr>
         <p:spPr>
           <a:xfrm rot="5400000">
-            <a:off x="-103361" y="6131892"/>
+            <a:off x="-106441" y="6131892"/>
             <a:ext cx="524256" cy="152382"/>
           </a:xfrm>
           <a:prstGeom prst="rect">
@@ -7744,7 +7647,7 @@
       </p:sp>
       <p:sp>
         <p:nvSpPr>
-          <p:cNvPr id="50" name="Rectangle 49">
+          <p:cNvPr id="63" name="Rectangle 62">
             <a:extLst>
               <a:ext uri="{FF2B5EF4-FFF2-40B4-BE49-F238E27FC236}">
                 <a16:creationId xmlns:a16="http://schemas.microsoft.com/office/drawing/2014/main" id="{A6604B49-AD5C-4590-B051-06C8222ECD99}"/>
@@ -7807,7 +7710,7 @@
       </p:sp>
       <p:sp>
         <p:nvSpPr>
-          <p:cNvPr id="52" name="Rectangle 51">
+          <p:cNvPr id="65" name="Rectangle 64">
             <a:extLst>
               <a:ext uri="{FF2B5EF4-FFF2-40B4-BE49-F238E27FC236}">
                 <a16:creationId xmlns:a16="http://schemas.microsoft.com/office/drawing/2014/main" id="{CC552A98-EF7D-4D42-AB69-066B786AB55B}"/>
@@ -7830,8 +7733,8 @@
         </p:nvSpPr>
         <p:spPr>
           <a:xfrm>
-            <a:off x="329185" y="252538"/>
-            <a:ext cx="3494670" cy="6352924"/>
+            <a:off x="329185" y="424614"/>
+            <a:ext cx="3461419" cy="5783468"/>
           </a:xfrm>
           <a:prstGeom prst="rect">
             <a:avLst/>
@@ -7877,10 +7780,10 @@
       </p:sp>
       <p:pic>
         <p:nvPicPr>
-          <p:cNvPr id="7" name="Afbeelding 6">
-            <a:extLst>
-              <a:ext uri="{FF2B5EF4-FFF2-40B4-BE49-F238E27FC236}">
-                <a16:creationId xmlns:a16="http://schemas.microsoft.com/office/drawing/2014/main" id="{A3BE4D3C-2BC0-7671-B428-4E47F651387C}"/>
+          <p:cNvPr id="9" name="Afbeelding 8">
+            <a:extLst>
+              <a:ext uri="{FF2B5EF4-FFF2-40B4-BE49-F238E27FC236}">
+                <a16:creationId xmlns:a16="http://schemas.microsoft.com/office/drawing/2014/main" id="{AB84245B-DA22-9800-99FA-D1E1FE2ABF0F}"/>
               </a:ext>
             </a:extLst>
           </p:cNvPr>
@@ -7890,80 +7793,19 @@
           <p:nvPr/>
         </p:nvPicPr>
         <p:blipFill>
-          <a:blip r:embed="rId2"/>
-          <a:stretch>
-            <a:fillRect/>
-          </a:stretch>
-        </p:blipFill>
-        <p:spPr>
-          <a:xfrm>
-            <a:off x="927348" y="1882653"/>
-            <a:ext cx="2639833" cy="1610299"/>
-          </a:xfrm>
-          <a:prstGeom prst="rect">
-            <a:avLst/>
-          </a:prstGeom>
-        </p:spPr>
-      </p:pic>
-      <p:pic>
-        <p:nvPicPr>
-          <p:cNvPr id="4" name="Afbeelding 3">
-            <a:extLst>
-              <a:ext uri="{FF2B5EF4-FFF2-40B4-BE49-F238E27FC236}">
-                <a16:creationId xmlns:a16="http://schemas.microsoft.com/office/drawing/2014/main" id="{68EB98D9-7350-4A18-7ADF-6D457A967B8D}"/>
-              </a:ext>
-            </a:extLst>
-          </p:cNvPr>
-          <p:cNvPicPr>
-            <a:picLocks noChangeAspect="1"/>
-          </p:cNvPicPr>
-          <p:nvPr/>
-        </p:nvPicPr>
-        <p:blipFill>
-          <a:blip r:embed="rId3"/>
-          <a:stretch>
-            <a:fillRect/>
-          </a:stretch>
-        </p:blipFill>
-        <p:spPr>
-          <a:xfrm>
-            <a:off x="695504" y="253051"/>
-            <a:ext cx="2871677" cy="1694290"/>
-          </a:xfrm>
-          <a:prstGeom prst="rect">
-            <a:avLst/>
-          </a:prstGeom>
-        </p:spPr>
-      </p:pic>
-      <p:pic>
-        <p:nvPicPr>
-          <p:cNvPr id="9" name="Afbeelding 8">
-            <a:extLst>
-              <a:ext uri="{FF2B5EF4-FFF2-40B4-BE49-F238E27FC236}">
-                <a16:creationId xmlns:a16="http://schemas.microsoft.com/office/drawing/2014/main" id="{AB84245B-DA22-9800-99FA-D1E1FE2ABF0F}"/>
-              </a:ext>
-            </a:extLst>
-          </p:cNvPr>
-          <p:cNvPicPr>
-            <a:picLocks noChangeAspect="1"/>
-          </p:cNvPicPr>
-          <p:nvPr/>
-        </p:nvPicPr>
-        <p:blipFill>
-          <a:blip r:embed="rId4">
+          <a:blip r:embed="rId2">
             <a:extLst>
               <a:ext uri="{28A0092B-C50C-407E-A947-70E740481C1C}">
                 <a14:useLocalDpi xmlns:a14="http://schemas.microsoft.com/office/drawing/2010/main" val="0"/>
               </a:ext>
             </a:extLst>
           </a:blip>
-          <a:srcRect/>
           <a:stretch/>
         </p:blipFill>
         <p:spPr>
           <a:xfrm>
-            <a:off x="696421" y="3492952"/>
-            <a:ext cx="2775616" cy="1374838"/>
+            <a:off x="536460" y="2449951"/>
+            <a:ext cx="3046866" cy="1508198"/>
           </a:xfrm>
           <a:prstGeom prst="rect">
             <a:avLst/>
@@ -7985,20 +7827,48 @@
           <p:nvPr/>
         </p:nvPicPr>
         <p:blipFill>
-          <a:blip r:embed="rId5">
+          <a:blip r:embed="rId3">
             <a:extLst>
               <a:ext uri="{28A0092B-C50C-407E-A947-70E740481C1C}">
                 <a14:useLocalDpi xmlns:a14="http://schemas.microsoft.com/office/drawing/2010/main" val="0"/>
               </a:ext>
             </a:extLst>
           </a:blip>
-          <a:srcRect/>
           <a:stretch/>
         </p:blipFill>
         <p:spPr>
           <a:xfrm>
-            <a:off x="696421" y="5042588"/>
-            <a:ext cx="2775616" cy="1374838"/>
+            <a:off x="536460" y="4415926"/>
+            <a:ext cx="3046866" cy="1508198"/>
+          </a:xfrm>
+          <a:prstGeom prst="rect">
+            <a:avLst/>
+          </a:prstGeom>
+        </p:spPr>
+      </p:pic>
+      <p:pic>
+        <p:nvPicPr>
+          <p:cNvPr id="14" name="Afbeelding 13">
+            <a:extLst>
+              <a:ext uri="{FF2B5EF4-FFF2-40B4-BE49-F238E27FC236}">
+                <a16:creationId xmlns:a16="http://schemas.microsoft.com/office/drawing/2014/main" id="{B3821CF3-228B-8B49-EA5A-B87384C0CF2E}"/>
+              </a:ext>
+            </a:extLst>
+          </p:cNvPr>
+          <p:cNvPicPr>
+            <a:picLocks noChangeAspect="1"/>
+          </p:cNvPicPr>
+          <p:nvPr/>
+        </p:nvPicPr>
+        <p:blipFill rotWithShape="1">
+          <a:blip r:embed="rId4"/>
+          <a:srcRect l="-1" r="125"/>
+          <a:stretch/>
+        </p:blipFill>
+        <p:spPr>
+          <a:xfrm>
+            <a:off x="581646" y="700251"/>
+            <a:ext cx="3046866" cy="1510071"/>
           </a:xfrm>
           <a:prstGeom prst="rect">
             <a:avLst/>
@@ -8028,14 +7898,14 @@
           </a:xfrm>
         </p:spPr>
         <p:txBody>
-          <a:bodyPr anchor="t">
+          <a:bodyPr anchor="ctr">
             <a:normAutofit/>
           </a:bodyPr>
           <a:lstStyle/>
           <a:p>
             <a:r>
               <a:rPr lang="en-US" sz="2000" dirty="0"/>
-              <a:t>Reflected spectrum of OCT</a:t>
+              <a:t>Reflected spectrum modulated because of interference</a:t>
             </a:r>
           </a:p>
           <a:p>
@@ -8044,7 +7914,7 @@
           <a:p>
             <a:r>
               <a:rPr lang="en-US" sz="2000" dirty="0"/>
-              <a:t>frequencies</a:t>
+              <a:t>FFT peak corresponds to thickness of sample</a:t>
             </a:r>
           </a:p>
           <a:p>
@@ -8053,7 +7923,7 @@
           <a:p>
             <a:r>
               <a:rPr lang="en-US" sz="2000" dirty="0"/>
-              <a:t>Finding the exact location of the peak in FFT</a:t>
+              <a:t>Need to find the exact location of the peak in FFT</a:t>
             </a:r>
           </a:p>
           <a:p>
@@ -8064,12 +7934,8 @@
           </a:p>
           <a:p>
             <a:r>
-              <a:rPr lang="nl-NL" sz="2000" dirty="0" err="1"/>
-              <a:t>What</a:t>
-            </a:r>
-            <a:r>
               <a:rPr lang="nl-NL" sz="2000" dirty="0"/>
-              <a:t> </a:t>
+              <a:t>What </a:t>
             </a:r>
             <a:r>
               <a:rPr lang="nl-NL" sz="2000" dirty="0" err="1"/>
@@ -9129,7 +8995,7 @@
                 </a:pPr>
                 <a:r>
                   <a:rPr lang="en-GB" sz="2000" dirty="0"/>
-                  <a:t>To determine an offset:</a:t>
+                  <a:t>To determine the Exact location</a:t>
                 </a:r>
               </a:p>
               <a:p>
@@ -9445,15 +9311,14 @@
                 <a:endParaRPr lang="es-ES" sz="2000" dirty="0"/>
               </a:p>
               <a:p>
-                <a:pPr marL="457200" indent="-457200">
-                  <a:buFont typeface="+mj-lt"/>
-                  <a:buAutoNum type="arabicPeriod"/>
+                <a:pPr marL="0" indent="0">
+                  <a:buNone/>
                 </a:pPr>
                 <a:r>
                   <a:rPr lang="es-ES" sz="2000" b="0" i="0" dirty="0">
                     <a:effectLst/>
                   </a:rPr>
-                  <a:t>Barycentric approach:</a:t>
+                  <a:t>2.     Barycentric approach:</a:t>
                 </a:r>
               </a:p>
               <a:p>
@@ -9805,7 +9670,7 @@
               <a:lstStyle/>
               <a:p>
                 <a:r>
-                  <a:rPr lang="en-GB">
+                  <a:rPr lang="nl-NL">
                     <a:noFill/>
                   </a:rPr>
                   <a:t> </a:t>
@@ -9882,12 +9747,12 @@
               </a:ext>
             </a:extLst>
           </a:blip>
-          <a:srcRect l="-539" r="51003"/>
+          <a:srcRect l="-1042" t="-424" r="51506" b="424"/>
           <a:stretch/>
         </p:blipFill>
         <p:spPr>
           <a:xfrm>
-            <a:off x="8455920" y="2937267"/>
+            <a:off x="8482044" y="2982984"/>
             <a:ext cx="3084652" cy="3084410"/>
           </a:xfrm>
           <a:prstGeom prst="rect">
@@ -10236,7 +10101,7 @@
           <a:p>
             <a:r>
               <a:rPr lang="en-GB" sz="4000" dirty="0"/>
-              <a:t>Result of First 2 Methods</a:t>
+              <a:t>More Newer methods</a:t>
             </a:r>
           </a:p>
         </p:txBody>
@@ -10903,7 +10768,15 @@
             </a:r>
             <a:r>
               <a:rPr lang="en-US" sz="2000" dirty="0"/>
-              <a:t>pure sine of 99 different frequencies between 8.4 and 9.6 delta f = 1/700, N = 70. </a:t>
+              <a:t>pure sine of 99 different frequencies between 8.4 and 9.6 </a:t>
+            </a:r>
+            <a:r>
+              <a:rPr lang="el-GR" sz="2000" dirty="0"/>
+              <a:t>Δ</a:t>
+            </a:r>
+            <a:r>
+              <a:rPr lang="en-US" sz="2000" dirty="0"/>
+              <a:t>f = 1/350, N = 700. </a:t>
             </a:r>
           </a:p>
           <a:p>
@@ -10913,14 +10786,18 @@
             <a:endParaRPr lang="nl-NL" sz="2000" dirty="0"/>
           </a:p>
           <a:p>
+            <a:pPr marL="0" indent="0">
+              <a:buNone/>
+            </a:pPr>
             <a:r>
               <a:rPr lang="es-ES" sz="2000" dirty="0"/>
-              <a:t>Quadratic approach:</a:t>
+              <a:t>3. Quadratic approach:</a:t>
             </a:r>
           </a:p>
           <a:p>
-            <a:pPr marL="457200" lvl="1" indent="0">
-              <a:buNone/>
+            <a:pPr marL="800100" lvl="1" indent="-342900">
+              <a:buFont typeface="+mj-lt"/>
+              <a:buAutoNum type="arabicPeriod"/>
             </a:pPr>
             <a:r>
               <a:rPr lang="es-ES" sz="1600" dirty="0"/>
@@ -10928,8 +10805,9 @@
             </a:r>
           </a:p>
           <a:p>
-            <a:pPr marL="457200" lvl="1" indent="0">
-              <a:buNone/>
+            <a:pPr marL="800100" lvl="1" indent="-342900">
+              <a:buFont typeface="+mj-lt"/>
+              <a:buAutoNum type="arabicPeriod"/>
             </a:pPr>
             <a:r>
               <a:rPr lang="es-ES" sz="1600" dirty="0"/>
@@ -10937,28 +10815,41 @@
             </a:r>
           </a:p>
           <a:p>
-            <a:pPr lvl="1"/>
+            <a:pPr marL="914400" lvl="1" indent="-457200">
+              <a:buFont typeface="+mj-lt"/>
+              <a:buAutoNum type="arabicPeriod"/>
+            </a:pPr>
             <a:endParaRPr lang="es-ES" sz="2000" dirty="0"/>
           </a:p>
           <a:p>
-            <a:pPr lvl="1"/>
+            <a:pPr marL="914400" lvl="1" indent="-457200">
+              <a:buFont typeface="+mj-lt"/>
+              <a:buAutoNum type="arabicPeriod"/>
+            </a:pPr>
             <a:endParaRPr lang="es-ES" sz="2000" dirty="0"/>
           </a:p>
           <a:p>
-            <a:pPr lvl="1"/>
+            <a:pPr marL="914400" lvl="1" indent="-457200">
+              <a:buFont typeface="+mj-lt"/>
+              <a:buAutoNum type="arabicPeriod"/>
+            </a:pPr>
             <a:endParaRPr lang="es-ES" sz="2000" dirty="0"/>
           </a:p>
           <a:p>
+            <a:pPr marL="0" indent="0">
+              <a:buNone/>
+            </a:pPr>
             <a:r>
               <a:rPr lang="es-ES" sz="2000" b="0" i="0" dirty="0">
                 <a:effectLst/>
               </a:rPr>
-              <a:t>Barycentric approach:</a:t>
+              <a:t>4. Barycentric approach:</a:t>
             </a:r>
           </a:p>
           <a:p>
-            <a:pPr marL="457200" lvl="1" indent="0">
-              <a:buNone/>
+            <a:pPr marL="800100" lvl="1" indent="-342900">
+              <a:buFont typeface="+mj-lt"/>
+              <a:buAutoNum type="arabicPeriod"/>
             </a:pPr>
             <a:r>
               <a:rPr lang="es-ES" sz="1600" dirty="0"/>
@@ -10966,8 +10857,9 @@
             </a:r>
           </a:p>
           <a:p>
-            <a:pPr marL="457200" lvl="1" indent="0">
-              <a:buNone/>
+            <a:pPr marL="800100" lvl="1" indent="-342900">
+              <a:buFont typeface="+mj-lt"/>
+              <a:buAutoNum type="arabicPeriod"/>
             </a:pPr>
             <a:r>
               <a:rPr lang="es-ES" sz="1600" b="0" i="0" dirty="0">
@@ -12421,23 +12313,6 @@
           </a:bodyPr>
           <a:lstStyle/>
           <a:p>
-            <a:pPr marL="0" indent="0">
-              <a:buNone/>
-            </a:pPr>
-            <a:r>
-              <a:rPr lang="nl-NL" sz="2000" dirty="0"/>
-              <a:t>Maximum </a:t>
-            </a:r>
-            <a:r>
-              <a:rPr lang="nl-NL" sz="2000" dirty="0" err="1"/>
-              <a:t>deviation</a:t>
-            </a:r>
-            <a:r>
-              <a:rPr lang="nl-NL" sz="2000" dirty="0"/>
-              <a:t>: </a:t>
-            </a:r>
-          </a:p>
-          <a:p>
             <a:r>
               <a:rPr lang="nl-NL" sz="2000" dirty="0"/>
               <a:t>Generally </a:t>
@@ -13131,7 +13006,7 @@
                                         <p:tgtEl>
                                           <p:spTgt spid="3">
                                             <p:txEl>
-                                              <p:pRg st="5" end="5"/>
+                                              <p:pRg st="4" end="4"/>
                                             </p:txEl>
                                           </p:spTgt>
                                         </p:tgtEl>
@@ -13512,8 +13387,8 @@
           <a:lstStyle/>
           <a:p>
             <a:r>
-              <a:rPr lang="nl-NL" sz="5400"/>
-              <a:t>Our code</a:t>
+              <a:rPr lang="nl-NL" sz="5400" dirty="0"/>
+              <a:t>Outlook</a:t>
             </a:r>
           </a:p>
         </p:txBody>
@@ -13829,21 +13704,36 @@
           </a:bodyPr>
           <a:lstStyle/>
           <a:p>
+            <a:pPr>
+              <a:lnSpc>
+                <a:spcPct val="200000"/>
+              </a:lnSpc>
+            </a:pPr>
             <a:r>
               <a:rPr lang="en-GB" sz="2200" dirty="0"/>
-              <a:t>Currently:</a:t>
+              <a:t>Impact of noise on fit</a:t>
             </a:r>
           </a:p>
           <a:p>
-            <a:pPr marL="0" indent="0">
-              <a:buNone/>
+            <a:pPr>
+              <a:lnSpc>
+                <a:spcPct val="200000"/>
+              </a:lnSpc>
             </a:pPr>
-            <a:endParaRPr lang="nl-NL" sz="2200" dirty="0"/>
-          </a:p>
-          <a:p>
             <a:r>
-              <a:rPr lang="nl-NL" sz="2200" dirty="0"/>
-              <a:t>Outlook:</a:t>
+              <a:rPr lang="en-GB" sz="2200" dirty="0"/>
+              <a:t>Impact of phase differences on fit</a:t>
+            </a:r>
+          </a:p>
+          <a:p>
+            <a:pPr>
+              <a:lnSpc>
+                <a:spcPct val="200000"/>
+              </a:lnSpc>
+            </a:pPr>
+            <a:r>
+              <a:rPr lang="en-GB" sz="2200" dirty="0"/>
+              <a:t>Continuous Quinn’s and Jains</a:t>
             </a:r>
           </a:p>
         </p:txBody>
@@ -14077,6 +13967,55 @@
                                     <p:set>
                                       <p:cBhvr>
                                         <p:cTn id="10" dur="1" fill="hold">
+                                          <p:stCondLst>
+                                            <p:cond delay="0"/>
+                                          </p:stCondLst>
+                                        </p:cTn>
+                                        <p:tgtEl>
+                                          <p:spTgt spid="3">
+                                            <p:txEl>
+                                              <p:pRg st="1" end="1"/>
+                                            </p:txEl>
+                                          </p:spTgt>
+                                        </p:tgtEl>
+                                        <p:attrNameLst>
+                                          <p:attrName>style.visibility</p:attrName>
+                                        </p:attrNameLst>
+                                      </p:cBhvr>
+                                      <p:to>
+                                        <p:strVal val="visible"/>
+                                      </p:to>
+                                    </p:set>
+                                  </p:childTnLst>
+                                </p:cTn>
+                              </p:par>
+                            </p:childTnLst>
+                          </p:cTn>
+                        </p:par>
+                      </p:childTnLst>
+                    </p:cTn>
+                  </p:par>
+                  <p:par>
+                    <p:cTn id="11" fill="hold">
+                      <p:stCondLst>
+                        <p:cond delay="indefinite"/>
+                      </p:stCondLst>
+                      <p:childTnLst>
+                        <p:par>
+                          <p:cTn id="12" fill="hold">
+                            <p:stCondLst>
+                              <p:cond delay="0"/>
+                            </p:stCondLst>
+                            <p:childTnLst>
+                              <p:par>
+                                <p:cTn id="13" presetID="1" presetClass="entr" presetSubtype="0" fill="hold" nodeType="clickEffect">
+                                  <p:stCondLst>
+                                    <p:cond delay="0"/>
+                                  </p:stCondLst>
+                                  <p:childTnLst>
+                                    <p:set>
+                                      <p:cBhvr>
+                                        <p:cTn id="14" dur="1" fill="hold">
                                           <p:stCondLst>
                                             <p:cond delay="0"/>
                                           </p:stCondLst>
